--- a/HU.pptx
+++ b/HU.pptx
@@ -7,6 +7,7 @@
   <p:sldIdLst>
     <p:sldId id="256" r:id="rId2"/>
     <p:sldId id="257" r:id="rId3"/>
+    <p:sldId id="258" r:id="rId4"/>
   </p:sldIdLst>
   <p:sldSz cx="12192000" cy="6858000"/>
   <p:notesSz cx="6858000" cy="9144000"/>
@@ -105,6 +106,11 @@
       </a:defRPr>
     </a:lvl9pPr>
   </p:defaultTextStyle>
+  <p:extLst>
+    <p:ext uri="{EFAFB233-063F-42B5-8137-9DF3F51BA10A}">
+      <p15:sldGuideLst xmlns:p15="http://schemas.microsoft.com/office/powerpoint/2012/main"/>
+    </p:ext>
+  </p:extLst>
 </p:presentation>
 </file>
 
@@ -3358,14 +3364,14 @@
           <p:nvPr>
             <p:extLst>
               <p:ext uri="{D42A27DB-BD31-4B8C-83A1-F6EECF244321}">
-                <p14:modId xmlns:p14="http://schemas.microsoft.com/office/powerpoint/2010/main" val="206231584"/>
+                <p14:modId xmlns:p14="http://schemas.microsoft.com/office/powerpoint/2010/main" val="1840797129"/>
               </p:ext>
             </p:extLst>
           </p:nvPr>
         </p:nvGraphicFramePr>
         <p:xfrm>
-          <a:off x="373293" y="119742"/>
-          <a:ext cx="10742759" cy="6618515"/>
+          <a:off x="440404" y="153298"/>
+          <a:ext cx="10742759" cy="6480443"/>
         </p:xfrm>
         <a:graphic>
           <a:graphicData uri="http://schemas.openxmlformats.org/drawingml/2006/table">
@@ -3543,7 +3549,7 @@
                     <a:lstStyle/>
                     <a:p>
                       <a:r>
-                        <a:rPr lang="es-ES" sz="1000" dirty="0"/>
+                        <a:rPr lang="es-MX" sz="1000" dirty="0"/>
                         <a:t>Escenarios:</a:t>
                       </a:r>
                     </a:p>
@@ -3553,8 +3559,28 @@
                         <a:buChar char="•"/>
                       </a:pPr>
                       <a:r>
-                        <a:rPr lang="es-ES" sz="1000" dirty="0"/>
-                        <a:t>Se pueda ingresar exitosamente con los datos requeridos en el login. </a:t>
+                        <a:rPr lang="es-MX" sz="1000" dirty="0"/>
+                        <a:t>Que se cuente con un botón de Inicio de Sesión el cual despliega un formulario que diga correo y contraseña</a:t>
+                      </a:r>
+                    </a:p>
+                    <a:p>
+                      <a:pPr marL="171450" indent="-171450">
+                        <a:buFont typeface="Arial" panose="020B0604020202020204" pitchFamily="34" charset="0"/>
+                        <a:buChar char="•"/>
+                      </a:pPr>
+                      <a:r>
+                        <a:rPr lang="es-MX" sz="1000" dirty="0"/>
+                        <a:t>El campo correo electrónico debe ser único </a:t>
+                      </a:r>
+                    </a:p>
+                    <a:p>
+                      <a:pPr marL="171450" indent="-171450">
+                        <a:buFont typeface="Arial" panose="020B0604020202020204" pitchFamily="34" charset="0"/>
+                        <a:buChar char="•"/>
+                      </a:pPr>
+                      <a:r>
+                        <a:rPr lang="es-MX" sz="1000" dirty="0"/>
+                        <a:t>La contraseña debe estar oculta con círculos negros y debe estar encriptada </a:t>
                       </a:r>
                     </a:p>
                     <a:p>
@@ -3644,7 +3670,7 @@
                     <a:lstStyle/>
                     <a:p>
                       <a:r>
-                        <a:rPr lang="es-ES" sz="1000" dirty="0"/>
+                        <a:rPr lang="es-MX" sz="1000" dirty="0"/>
                         <a:t>Escenarios: </a:t>
                       </a:r>
                     </a:p>
@@ -3654,8 +3680,8 @@
                         <a:buChar char="•"/>
                       </a:pPr>
                       <a:r>
-                        <a:rPr lang="es-ES" sz="1000" dirty="0"/>
-                        <a:t>Que se pueda recuperar usando los datos pedidos en el sistema</a:t>
+                        <a:rPr lang="es-MX" sz="1000" dirty="0"/>
+                        <a:t>Solicitar el cambio de contraseña</a:t>
                       </a:r>
                     </a:p>
                     <a:p>
@@ -3664,9 +3690,26 @@
                         <a:buChar char="•"/>
                       </a:pPr>
                       <a:r>
-                        <a:rPr lang="es-ES" sz="1000" dirty="0"/>
-                        <a:t>Cuando ya haya cambiado mi contraseña me deje ingresar correctamente las veces que vuelva a ingresar </a:t>
-                      </a:r>
+                        <a:rPr lang="es-MX" sz="1000" dirty="0"/>
+                        <a:t>Se  debe ingresar el correo en el cual desea recibir el código de recuperación </a:t>
+                      </a:r>
+                    </a:p>
+                    <a:p>
+                      <a:pPr marL="171450" indent="-171450">
+                        <a:buFont typeface="Arial" panose="020B0604020202020204" pitchFamily="34" charset="0"/>
+                        <a:buChar char="•"/>
+                      </a:pPr>
+                      <a:r>
+                        <a:rPr lang="es-MX" sz="1000" dirty="0"/>
+                        <a:t>Se ingresa el código y se hace el cambio de contraseña</a:t>
+                      </a:r>
+                    </a:p>
+                    <a:p>
+                      <a:pPr marL="171450" indent="-171450">
+                        <a:buFont typeface="Arial" panose="020B0604020202020204" pitchFamily="34" charset="0"/>
+                        <a:buChar char="•"/>
+                      </a:pPr>
+                      <a:endParaRPr lang="es-MX" sz="1000" dirty="0"/>
                     </a:p>
                     <a:p>
                       <a:r>
@@ -3876,7 +3919,7 @@
                       </a:pPr>
                       <a:r>
                         <a:rPr lang="es-ES" sz="1000" dirty="0"/>
-                        <a:t>Se pueda generar estadísticas de los productos vendidos </a:t>
+                        <a:t>Que se cuente con una opción de hacer estadísticas sobre los productos mas vendidos, menos vendidos y los no vendidos   </a:t>
                       </a:r>
                     </a:p>
                     <a:p>
@@ -3914,101 +3957,6 @@
                 <a:extLst>
                   <a:ext uri="{0D108BD9-81ED-4DB2-BD59-A6C34878D82A}">
                     <a16:rowId xmlns:a16="http://schemas.microsoft.com/office/drawing/2014/main" val="3864823895"/>
-                  </a:ext>
-                </a:extLst>
-              </a:tr>
-              <a:tr h="195646">
-                <a:tc>
-                  <a:txBody>
-                    <a:bodyPr/>
-                    <a:lstStyle/>
-                    <a:p>
-                      <a:r>
-                        <a:rPr lang="es-MX" sz="1000" dirty="0">
-                          <a:solidFill>
-                            <a:schemeClr val="bg1"/>
-                          </a:solidFill>
-                        </a:rPr>
-                        <a:t>US005</a:t>
-                      </a:r>
-                      <a:endParaRPr lang="es-CO" sz="1000" dirty="0">
-                        <a:solidFill>
-                          <a:schemeClr val="bg1"/>
-                        </a:solidFill>
-                      </a:endParaRPr>
-                    </a:p>
-                  </a:txBody>
-                  <a:tcPr>
-                    <a:solidFill>
-                      <a:schemeClr val="accent6"/>
-                    </a:solidFill>
-                  </a:tcPr>
-                </a:tc>
-                <a:tc>
-                  <a:txBody>
-                    <a:bodyPr/>
-                    <a:lstStyle/>
-                    <a:p>
-                      <a:r>
-                        <a:rPr lang="es-MX" sz="1000" dirty="0"/>
-                        <a:t>CU005</a:t>
-                      </a:r>
-                      <a:endParaRPr lang="es-CO" sz="1000" dirty="0"/>
-                    </a:p>
-                  </a:txBody>
-                  <a:tcPr/>
-                </a:tc>
-                <a:tc>
-                  <a:txBody>
-                    <a:bodyPr/>
-                    <a:lstStyle/>
-                    <a:p>
-                      <a:r>
-                        <a:rPr lang="es-MX" sz="1000" dirty="0"/>
-                        <a:t>COMO Administrador NECESITO actualizar la cantidad de productos que se encuentran disponibles en el inventario para tener un Stock real </a:t>
-                      </a:r>
-                      <a:endParaRPr lang="es-CO" sz="1000" dirty="0"/>
-                    </a:p>
-                  </a:txBody>
-                  <a:tcPr/>
-                </a:tc>
-                <a:tc>
-                  <a:txBody>
-                    <a:bodyPr/>
-                    <a:lstStyle/>
-                    <a:p>
-                      <a:r>
-                        <a:rPr lang="es-MX" sz="1000" dirty="0"/>
-                        <a:t>Escenarios:</a:t>
-                      </a:r>
-                    </a:p>
-                    <a:p>
-                      <a:pPr marL="171450" indent="-171450">
-                        <a:buFont typeface="Arial" panose="020B0604020202020204" pitchFamily="34" charset="0"/>
-                        <a:buChar char="•"/>
-                      </a:pPr>
-                      <a:r>
-                        <a:rPr lang="es-MX" sz="1000" dirty="0"/>
-                        <a:t>Que cuando se registre una venta se disminuya la cantidad del producto en el inventario y genere una alerta de esto</a:t>
-                      </a:r>
-                    </a:p>
-                    <a:p>
-                      <a:pPr marL="0" indent="0">
-                        <a:buFont typeface="Arial" panose="020B0604020202020204" pitchFamily="34" charset="0"/>
-                        <a:buNone/>
-                      </a:pPr>
-                      <a:r>
-                        <a:rPr lang="es-MX" sz="1000" dirty="0"/>
-                        <a:t>Necesitamos: nombre , precio y cantidades del producto vendido </a:t>
-                      </a:r>
-                      <a:endParaRPr lang="es-CO" sz="1000" dirty="0"/>
-                    </a:p>
-                  </a:txBody>
-                  <a:tcPr/>
-                </a:tc>
-                <a:extLst>
-                  <a:ext uri="{0D108BD9-81ED-4DB2-BD59-A6C34878D82A}">
-                    <a16:rowId xmlns:a16="http://schemas.microsoft.com/office/drawing/2014/main" val="2744033250"/>
                   </a:ext>
                 </a:extLst>
               </a:tr>
@@ -4061,14 +4009,14 @@
           <p:nvPr>
             <p:extLst>
               <p:ext uri="{D42A27DB-BD31-4B8C-83A1-F6EECF244321}">
-                <p14:modId xmlns:p14="http://schemas.microsoft.com/office/powerpoint/2010/main" val="2086181353"/>
+                <p14:modId xmlns:p14="http://schemas.microsoft.com/office/powerpoint/2010/main" val="509766049"/>
               </p:ext>
             </p:extLst>
           </p:nvPr>
         </p:nvGraphicFramePr>
         <p:xfrm>
-          <a:off x="317824" y="0"/>
-          <a:ext cx="10742759" cy="6853877"/>
+          <a:off x="359769" y="201336"/>
+          <a:ext cx="10742759" cy="6309360"/>
         </p:xfrm>
         <a:graphic>
           <a:graphicData uri="http://schemas.openxmlformats.org/drawingml/2006/table">
@@ -4216,7 +4164,7 @@
                             <a:schemeClr val="tx1"/>
                           </a:solidFill>
                         </a:rPr>
-                        <a:t>Se pueda generar la disponibilidad para el cliente </a:t>
+                        <a:t>Tendrá un botón para poder asignar su disponibilidad </a:t>
                       </a:r>
                     </a:p>
                     <a:p>
@@ -4230,7 +4178,21 @@
                             <a:schemeClr val="tx1"/>
                           </a:solidFill>
                         </a:rPr>
-                        <a:t>Poder actualizar los horarios disponibles</a:t>
+                        <a:t>Deberá escoger el mes, el día y las horas</a:t>
+                      </a:r>
+                    </a:p>
+                    <a:p>
+                      <a:pPr marL="171450" indent="-171450">
+                        <a:buFont typeface="Arial" panose="020B0604020202020204" pitchFamily="34" charset="0"/>
+                        <a:buChar char="•"/>
+                      </a:pPr>
+                      <a:r>
+                        <a:rPr lang="es-ES" sz="1000" b="0" dirty="0">
+                          <a:solidFill>
+                            <a:schemeClr val="tx1"/>
+                          </a:solidFill>
+                        </a:rPr>
+                        <a:t>Por ultimo podrá publicar su disponibilidad</a:t>
                       </a:r>
                     </a:p>
                     <a:p>
@@ -4359,7 +4321,7 @@
                       </a:pPr>
                       <a:r>
                         <a:rPr lang="es-ES" sz="1000" dirty="0"/>
-                        <a:t>Que se genere un stock para poder visualizar los productos que estén en venta</a:t>
+                        <a:t>Poder contar con un stock para poder visualizar los productos que estén en venta</a:t>
                       </a:r>
                     </a:p>
                     <a:p>
@@ -4369,7 +4331,17 @@
                       </a:pPr>
                       <a:r>
                         <a:rPr lang="es-ES" sz="1000" dirty="0"/>
-                        <a:t>Que se pueda hacer la compra de un producto dependiendo de la cantidad y el precio   </a:t>
+                        <a:t>Que se pueda hacer la compra de un producto dependiendo de la cantidad y el precio </a:t>
+                      </a:r>
+                    </a:p>
+                    <a:p>
+                      <a:pPr marL="171450" indent="-171450">
+                        <a:buFont typeface="Arial" panose="020B0604020202020204" pitchFamily="34" charset="0"/>
+                        <a:buChar char="•"/>
+                      </a:pPr>
+                      <a:r>
+                        <a:rPr lang="es-ES" sz="1000" dirty="0"/>
+                        <a:t>Contar con un apartado de carrito de ventas para poder hacer compras después de un tiempo   </a:t>
                       </a:r>
                     </a:p>
                     <a:p>
@@ -4469,7 +4441,7 @@
                       </a:pPr>
                       <a:r>
                         <a:rPr lang="es-ES" sz="1000" dirty="0"/>
-                        <a:t>Se pueda generar una reserva a partir de los horarios disponibles</a:t>
+                        <a:t>Contar con un apartado donde se pueda reservar </a:t>
                       </a:r>
                     </a:p>
                     <a:p>
@@ -4479,7 +4451,7 @@
                       </a:pPr>
                       <a:r>
                         <a:rPr lang="es-ES" sz="1000" dirty="0"/>
-                        <a:t>Poder saber la disponibilidad de los barberos y así poder generar la reserva </a:t>
+                        <a:t>Asignar el barbero de confianza o el que este disponible  </a:t>
                       </a:r>
                     </a:p>
                     <a:p>
@@ -4489,8 +4461,35 @@
                       </a:pPr>
                       <a:r>
                         <a:rPr lang="es-ES" sz="1000" dirty="0"/>
-                        <a:t>Asignar el corte que requiere </a:t>
-                      </a:r>
+                        <a:t> Seleccionar el día y la hora disponible y seleccionar el tipo de corte a realizar </a:t>
+                      </a:r>
+                    </a:p>
+                    <a:p>
+                      <a:pPr marL="285750" indent="-285750">
+                        <a:buFont typeface="Arial" panose="020B0604020202020204" pitchFamily="34" charset="0"/>
+                        <a:buChar char="•"/>
+                      </a:pPr>
+                      <a:r>
+                        <a:rPr lang="es-ES" sz="1000" dirty="0"/>
+                        <a:t>Se hace la reserva del turno </a:t>
+                      </a:r>
+                    </a:p>
+                    <a:p>
+                      <a:pPr marL="285750" indent="-285750">
+                        <a:buFont typeface="Arial" panose="020B0604020202020204" pitchFamily="34" charset="0"/>
+                        <a:buChar char="•"/>
+                      </a:pPr>
+                      <a:r>
+                        <a:rPr lang="es-ES" sz="1000" dirty="0"/>
+                        <a:t>Contara con un recordatorio de su reserva</a:t>
+                      </a:r>
+                    </a:p>
+                    <a:p>
+                      <a:pPr marL="285750" indent="-285750">
+                        <a:buFont typeface="Arial" panose="020B0604020202020204" pitchFamily="34" charset="0"/>
+                        <a:buChar char="•"/>
+                      </a:pPr>
+                      <a:endParaRPr lang="es-ES" sz="1000" dirty="0"/>
                     </a:p>
                     <a:p>
                       <a:r>
@@ -4505,7 +4504,7 @@
                     <a:p>
                       <a:r>
                         <a:rPr lang="es-ES" sz="1000" dirty="0"/>
-                        <a:t> Seleccionar la fecha, hora y día que este disponible, corte a realizar el barbero el cual desea o este disponible  </a:t>
+                        <a:t> Seleccionar la fecha, hora y día que este disponible, corte a realizar,  el barbero el cual desea o este disponible  </a:t>
                       </a:r>
                     </a:p>
                   </a:txBody>
@@ -4588,7 +4587,7 @@
                       </a:pPr>
                       <a:r>
                         <a:rPr lang="es-ES" sz="1000" b="0" dirty="0"/>
-                        <a:t>Que se pueda registrar con los datos requeridos</a:t>
+                        <a:t>Contara con un botón de registro que desplegara un formulario </a:t>
                       </a:r>
                     </a:p>
                     <a:p>
@@ -4598,9 +4597,8 @@
                       </a:pPr>
                       <a:r>
                         <a:rPr lang="es-ES" sz="1000" b="0" dirty="0"/>
-                        <a:t>Cuando ya este registrado pueda hacer su sesión con los mismos datos  </a:t>
-                      </a:r>
-                      <a:endParaRPr lang="es-ES" sz="1000" b="1" dirty="0"/>
+                        <a:t>Deberá seguir los pasos para hacer su registro </a:t>
+                      </a:r>
                     </a:p>
                     <a:p>
                       <a:pPr marL="0" indent="0">
@@ -4656,7 +4654,101 @@
                   </a:ext>
                 </a:extLst>
               </a:tr>
-              <a:tr h="899277">
+            </a:tbl>
+          </a:graphicData>
+        </a:graphic>
+      </p:graphicFrame>
+    </p:spTree>
+    <p:extLst>
+      <p:ext uri="{BB962C8B-B14F-4D97-AF65-F5344CB8AC3E}">
+        <p14:creationId xmlns:p14="http://schemas.microsoft.com/office/powerpoint/2010/main" val="2548396169"/>
+      </p:ext>
+    </p:extLst>
+  </p:cSld>
+  <p:clrMapOvr>
+    <a:masterClrMapping/>
+  </p:clrMapOvr>
+</p:sld>
+</file>
+
+<file path=ppt/slides/slide3.xml><?xml version="1.0" encoding="utf-8"?>
+<p:sld xmlns:a="http://schemas.openxmlformats.org/drawingml/2006/main" xmlns:r="http://schemas.openxmlformats.org/officeDocument/2006/relationships" xmlns:p="http://schemas.openxmlformats.org/presentationml/2006/main">
+  <p:cSld>
+    <p:spTree>
+      <p:nvGrpSpPr>
+        <p:cNvPr id="1" name=""/>
+        <p:cNvGrpSpPr/>
+        <p:nvPr/>
+      </p:nvGrpSpPr>
+      <p:grpSpPr>
+        <a:xfrm>
+          <a:off x="0" y="0"/>
+          <a:ext cx="0" cy="0"/>
+          <a:chOff x="0" y="0"/>
+          <a:chExt cx="0" cy="0"/>
+        </a:xfrm>
+      </p:grpSpPr>
+      <p:graphicFrame>
+        <p:nvGraphicFramePr>
+          <p:cNvPr id="4" name="Tabla 3">
+            <a:extLst>
+              <a:ext uri="{FF2B5EF4-FFF2-40B4-BE49-F238E27FC236}">
+                <a16:creationId xmlns:a16="http://schemas.microsoft.com/office/drawing/2014/main" id="{87775AA7-F770-5260-AF76-33D0E258232E}"/>
+              </a:ext>
+            </a:extLst>
+          </p:cNvPr>
+          <p:cNvGraphicFramePr>
+            <a:graphicFrameLocks noGrp="1"/>
+          </p:cNvGraphicFramePr>
+          <p:nvPr>
+            <p:extLst>
+              <p:ext uri="{D42A27DB-BD31-4B8C-83A1-F6EECF244321}">
+                <p14:modId xmlns:p14="http://schemas.microsoft.com/office/powerpoint/2010/main" val="1922229440"/>
+              </p:ext>
+            </p:extLst>
+          </p:nvPr>
+        </p:nvGraphicFramePr>
+        <p:xfrm>
+          <a:off x="422617" y="693111"/>
+          <a:ext cx="10742759" cy="2926080"/>
+        </p:xfrm>
+        <a:graphic>
+          <a:graphicData uri="http://schemas.openxmlformats.org/drawingml/2006/table">
+            <a:tbl>
+              <a:tblPr firstRow="1" bandRow="1">
+                <a:tableStyleId>{5C22544A-7EE6-4342-B048-85BDC9FD1C3A}</a:tableStyleId>
+              </a:tblPr>
+              <a:tblGrid>
+                <a:gridCol w="1103240">
+                  <a:extLst>
+                    <a:ext uri="{9D8B030D-6E8A-4147-A177-3AD203B41FA5}">
+                      <a16:colId xmlns:a16="http://schemas.microsoft.com/office/drawing/2014/main" val="321582989"/>
+                    </a:ext>
+                  </a:extLst>
+                </a:gridCol>
+                <a:gridCol w="1927904">
+                  <a:extLst>
+                    <a:ext uri="{9D8B030D-6E8A-4147-A177-3AD203B41FA5}">
+                      <a16:colId xmlns:a16="http://schemas.microsoft.com/office/drawing/2014/main" val="3778925154"/>
+                    </a:ext>
+                  </a:extLst>
+                </a:gridCol>
+                <a:gridCol w="4695758">
+                  <a:extLst>
+                    <a:ext uri="{9D8B030D-6E8A-4147-A177-3AD203B41FA5}">
+                      <a16:colId xmlns:a16="http://schemas.microsoft.com/office/drawing/2014/main" val="903937502"/>
+                    </a:ext>
+                  </a:extLst>
+                </a:gridCol>
+                <a:gridCol w="3015857">
+                  <a:extLst>
+                    <a:ext uri="{9D8B030D-6E8A-4147-A177-3AD203B41FA5}">
+                      <a16:colId xmlns:a16="http://schemas.microsoft.com/office/drawing/2014/main" val="523859923"/>
+                    </a:ext>
+                  </a:extLst>
+                </a:gridCol>
+              </a:tblGrid>
+              <a:tr h="195646">
                 <a:tc>
                   <a:txBody>
                     <a:bodyPr/>
@@ -4689,13 +4781,28 @@
                     <a:lstStyle/>
                     <a:p>
                       <a:r>
-                        <a:rPr lang="es-ES" sz="1000" dirty="0"/>
-                        <a:t>CU008</a:t>
-                      </a:r>
-                      <a:endParaRPr lang="es-CO" sz="1000" dirty="0"/>
+                        <a:rPr lang="es-ES" sz="1000" b="0" dirty="0">
+                          <a:solidFill>
+                            <a:schemeClr val="tx1"/>
+                          </a:solidFill>
+                        </a:rPr>
+                        <a:t>CU009</a:t>
+                      </a:r>
+                      <a:endParaRPr lang="es-CO" sz="1000" b="0" dirty="0">
+                        <a:solidFill>
+                          <a:schemeClr val="tx1"/>
+                        </a:solidFill>
+                      </a:endParaRPr>
                     </a:p>
                   </a:txBody>
-                  <a:tcPr/>
+                  <a:tcPr>
+                    <a:solidFill>
+                      <a:schemeClr val="tx2">
+                        <a:lumMod val="20000"/>
+                        <a:lumOff val="80000"/>
+                      </a:schemeClr>
+                    </a:solidFill>
+                  </a:tcPr>
                 </a:tc>
                 <a:tc>
                   <a:txBody>
@@ -4703,12 +4810,23 @@
                     <a:lstStyle/>
                     <a:p>
                       <a:r>
-                        <a:rPr lang="es-MX" sz="1000" dirty="0"/>
+                        <a:rPr lang="es-MX" sz="1000" b="0" dirty="0">
+                          <a:solidFill>
+                            <a:schemeClr val="tx1"/>
+                          </a:solidFill>
+                        </a:rPr>
                         <a:t>COMO cliente NECESITO agregar productos al carrito de compras</a:t>
                       </a:r>
                     </a:p>
                   </a:txBody>
-                  <a:tcPr/>
+                  <a:tcPr>
+                    <a:solidFill>
+                      <a:schemeClr val="tx2">
+                        <a:lumMod val="20000"/>
+                        <a:lumOff val="80000"/>
+                      </a:schemeClr>
+                    </a:solidFill>
+                  </a:tcPr>
                 </a:tc>
                 <a:tc>
                   <a:txBody>
@@ -4716,7 +4834,11 @@
                     <a:lstStyle/>
                     <a:p>
                       <a:r>
-                        <a:rPr lang="es-ES" sz="1000" dirty="0"/>
+                        <a:rPr lang="es-ES" sz="1000" b="0" dirty="0">
+                          <a:solidFill>
+                            <a:schemeClr val="tx1"/>
+                          </a:solidFill>
+                        </a:rPr>
                         <a:t>Escenarios: </a:t>
                       </a:r>
                     </a:p>
@@ -4726,8 +4848,12 @@
                         <a:buChar char="•"/>
                       </a:pPr>
                       <a:r>
-                        <a:rPr lang="es-ES" sz="1000" b="0" dirty="0"/>
-                        <a:t>Poder agregar productos de preferencia </a:t>
+                        <a:rPr lang="es-ES" sz="1000" b="0" dirty="0">
+                          <a:solidFill>
+                            <a:schemeClr val="tx1"/>
+                          </a:solidFill>
+                        </a:rPr>
+                        <a:t>Deberá seleccionar el producto que desea agregar al carrito </a:t>
                       </a:r>
                     </a:p>
                     <a:p>
@@ -4736,8 +4862,12 @@
                         <a:buChar char="•"/>
                       </a:pPr>
                       <a:r>
-                        <a:rPr lang="es-ES" sz="1000" b="0" dirty="0"/>
-                        <a:t>Que los productos agregados se almacenen en el carrito </a:t>
+                        <a:rPr lang="es-ES" sz="1000" b="0" dirty="0">
+                          <a:solidFill>
+                            <a:schemeClr val="tx1"/>
+                          </a:solidFill>
+                        </a:rPr>
+                        <a:t>Que ingrese la cantidad que desea agregar al carrito</a:t>
                       </a:r>
                     </a:p>
                     <a:p>
@@ -4746,10 +4876,27 @@
                         <a:buChar char="•"/>
                       </a:pPr>
                       <a:r>
-                        <a:rPr lang="es-ES" sz="1000" b="0" dirty="0"/>
-                        <a:t>Que se pueda comprar dentro del carrito de compras</a:t>
-                      </a:r>
-                      <a:endParaRPr lang="es-ES" sz="1000" b="1" dirty="0"/>
+                        <a:rPr lang="es-ES" sz="1000" b="0" dirty="0">
+                          <a:solidFill>
+                            <a:schemeClr val="tx1"/>
+                          </a:solidFill>
+                        </a:rPr>
+                        <a:t>Que los productos agregados se almacenen en el carrito </a:t>
+                      </a:r>
+                    </a:p>
+                    <a:p>
+                      <a:pPr marL="171450" indent="-171450">
+                        <a:buFont typeface="Arial" panose="020B0604020202020204" pitchFamily="34" charset="0"/>
+                        <a:buChar char="•"/>
+                      </a:pPr>
+                      <a:r>
+                        <a:rPr lang="es-ES" sz="1000" b="0" dirty="0">
+                          <a:solidFill>
+                            <a:schemeClr val="tx1"/>
+                          </a:solidFill>
+                        </a:rPr>
+                        <a:t>Que se pueda comprar dentro del carrito </a:t>
+                      </a:r>
                     </a:p>
                     <a:p>
                       <a:pPr marL="0" indent="0">
@@ -4757,12 +4904,12 @@
                         <a:buNone/>
                       </a:pPr>
                       <a:r>
-                        <a:rPr lang="es-ES" sz="1000" b="1" dirty="0"/>
-                        <a:t>Necesitamos</a:t>
-                      </a:r>
-                      <a:r>
-                        <a:rPr lang="es-ES" sz="1000" dirty="0"/>
-                        <a:t>:</a:t>
+                        <a:rPr lang="es-ES" sz="1000" b="0" dirty="0">
+                          <a:solidFill>
+                            <a:schemeClr val="tx1"/>
+                          </a:solidFill>
+                        </a:rPr>
+                        <a:t>Necesitamos:</a:t>
                       </a:r>
                     </a:p>
                     <a:p>
@@ -4784,21 +4931,236 @@
                         <a:defRPr/>
                       </a:pPr>
                       <a:r>
-                        <a:rPr lang="es-MX" sz="1000" dirty="0">
+                        <a:rPr lang="es-MX" sz="1000" b="0" dirty="0">
+                          <a:solidFill>
+                            <a:schemeClr val="tx1"/>
+                          </a:solidFill>
                           <a:effectLst/>
                         </a:rPr>
                         <a:t>Seleccionar los productos y la cantidad.</a:t>
                       </a:r>
-                      <a:endParaRPr lang="es-CO" sz="1000" dirty="0">
+                      <a:endParaRPr lang="es-CO" sz="1000" b="0" dirty="0">
+                        <a:solidFill>
+                          <a:schemeClr val="tx1"/>
+                        </a:solidFill>
                         <a:effectLst/>
                       </a:endParaRPr>
                     </a:p>
                   </a:txBody>
-                  <a:tcPr/>
+                  <a:tcPr>
+                    <a:solidFill>
+                      <a:schemeClr val="tx2">
+                        <a:lumMod val="20000"/>
+                        <a:lumOff val="80000"/>
+                      </a:schemeClr>
+                    </a:solidFill>
+                  </a:tcPr>
                 </a:tc>
                 <a:extLst>
                   <a:ext uri="{0D108BD9-81ED-4DB2-BD59-A6C34878D82A}">
-                    <a16:rowId xmlns:a16="http://schemas.microsoft.com/office/drawing/2014/main" val="1982062746"/>
+                    <a16:rowId xmlns:a16="http://schemas.microsoft.com/office/drawing/2014/main" val="1341132561"/>
+                  </a:ext>
+                </a:extLst>
+              </a:tr>
+              <a:tr h="195646">
+                <a:tc>
+                  <a:txBody>
+                    <a:bodyPr/>
+                    <a:lstStyle/>
+                    <a:p>
+                      <a:r>
+                        <a:rPr lang="es-MX" sz="1000" dirty="0">
+                          <a:solidFill>
+                            <a:schemeClr val="bg1"/>
+                          </a:solidFill>
+                        </a:rPr>
+                        <a:t>US0010</a:t>
+                      </a:r>
+                      <a:endParaRPr lang="es-CO" sz="1000" dirty="0">
+                        <a:solidFill>
+                          <a:schemeClr val="bg1"/>
+                        </a:solidFill>
+                      </a:endParaRPr>
+                    </a:p>
+                  </a:txBody>
+                  <a:tcPr>
+                    <a:solidFill>
+                      <a:schemeClr val="accent6"/>
+                    </a:solidFill>
+                  </a:tcPr>
+                </a:tc>
+                <a:tc>
+                  <a:txBody>
+                    <a:bodyPr/>
+                    <a:lstStyle/>
+                    <a:p>
+                      <a:r>
+                        <a:rPr lang="es-MX" sz="1000" b="0" dirty="0">
+                          <a:solidFill>
+                            <a:schemeClr val="tx1"/>
+                          </a:solidFill>
+                        </a:rPr>
+                        <a:t>CU0010</a:t>
+                      </a:r>
+                      <a:endParaRPr lang="es-CO" sz="1000" b="0" dirty="0">
+                        <a:solidFill>
+                          <a:schemeClr val="tx1"/>
+                        </a:solidFill>
+                      </a:endParaRPr>
+                    </a:p>
+                  </a:txBody>
+                  <a:tcPr>
+                    <a:solidFill>
+                      <a:schemeClr val="tx2">
+                        <a:lumMod val="20000"/>
+                        <a:lumOff val="80000"/>
+                      </a:schemeClr>
+                    </a:solidFill>
+                  </a:tcPr>
+                </a:tc>
+                <a:tc>
+                  <a:txBody>
+                    <a:bodyPr/>
+                    <a:lstStyle/>
+                    <a:p>
+                      <a:r>
+                        <a:rPr lang="es-MX" sz="1000" b="0" dirty="0">
+                          <a:solidFill>
+                            <a:schemeClr val="tx1"/>
+                          </a:solidFill>
+                        </a:rPr>
+                        <a:t>COMO Administrador NECESITO actualizar la cantidad de productos que se encuentran disponibles en el inventario para tener un Stock real </a:t>
+                      </a:r>
+                      <a:endParaRPr lang="es-CO" sz="1000" b="0" dirty="0">
+                        <a:solidFill>
+                          <a:schemeClr val="tx1"/>
+                        </a:solidFill>
+                      </a:endParaRPr>
+                    </a:p>
+                  </a:txBody>
+                  <a:tcPr>
+                    <a:solidFill>
+                      <a:schemeClr val="tx2">
+                        <a:lumMod val="20000"/>
+                        <a:lumOff val="80000"/>
+                      </a:schemeClr>
+                    </a:solidFill>
+                  </a:tcPr>
+                </a:tc>
+                <a:tc>
+                  <a:txBody>
+                    <a:bodyPr/>
+                    <a:lstStyle/>
+                    <a:p>
+                      <a:r>
+                        <a:rPr lang="es-MX" sz="1000" b="0" dirty="0">
+                          <a:solidFill>
+                            <a:schemeClr val="tx1"/>
+                          </a:solidFill>
+                        </a:rPr>
+                        <a:t>Escenarios:</a:t>
+                      </a:r>
+                    </a:p>
+                    <a:p>
+                      <a:pPr marL="171450" indent="-171450">
+                        <a:buFont typeface="Arial" panose="020B0604020202020204" pitchFamily="34" charset="0"/>
+                        <a:buChar char="•"/>
+                      </a:pPr>
+                      <a:r>
+                        <a:rPr lang="es-MX" sz="1000" b="0" dirty="0">
+                          <a:solidFill>
+                            <a:schemeClr val="tx1"/>
+                          </a:solidFill>
+                        </a:rPr>
+                        <a:t>Que cuando se registre una venta se disminuya la cantidad del producto en el inventario y genere una alerta de esto</a:t>
+                      </a:r>
+                    </a:p>
+                    <a:p>
+                      <a:pPr marL="171450" indent="-171450">
+                        <a:buFont typeface="Arial" panose="020B0604020202020204" pitchFamily="34" charset="0"/>
+                        <a:buChar char="•"/>
+                      </a:pPr>
+                      <a:r>
+                        <a:rPr lang="es-MX" sz="1000" b="0" dirty="0">
+                          <a:solidFill>
+                            <a:schemeClr val="tx1"/>
+                          </a:solidFill>
+                        </a:rPr>
+                        <a:t>Que el </a:t>
+                      </a:r>
+                      <a:r>
+                        <a:rPr lang="es-MX" sz="1000" b="0">
+                          <a:solidFill>
+                            <a:schemeClr val="tx1"/>
+                          </a:solidFill>
+                        </a:rPr>
+                        <a:t>inventario se </a:t>
+                      </a:r>
+                      <a:r>
+                        <a:rPr lang="es-MX" sz="1000" b="0" dirty="0">
+                          <a:solidFill>
+                            <a:schemeClr val="tx1"/>
+                          </a:solidFill>
+                        </a:rPr>
+                        <a:t>pueda </a:t>
+                      </a:r>
+                      <a:r>
+                        <a:rPr lang="es-MX" sz="1000" b="0">
+                          <a:solidFill>
+                            <a:schemeClr val="tx1"/>
+                          </a:solidFill>
+                        </a:rPr>
+                        <a:t>mantener actualizado  </a:t>
+                      </a:r>
+                      <a:endParaRPr lang="es-MX" sz="1000" b="0" dirty="0">
+                        <a:solidFill>
+                          <a:schemeClr val="tx1"/>
+                        </a:solidFill>
+                      </a:endParaRPr>
+                    </a:p>
+                    <a:p>
+                      <a:pPr marL="171450" indent="-171450">
+                        <a:buFont typeface="Arial" panose="020B0604020202020204" pitchFamily="34" charset="0"/>
+                        <a:buChar char="•"/>
+                      </a:pPr>
+                      <a:endParaRPr lang="es-MX" sz="1000" b="0" dirty="0">
+                        <a:solidFill>
+                          <a:schemeClr val="tx1"/>
+                        </a:solidFill>
+                      </a:endParaRPr>
+                    </a:p>
+                    <a:p>
+                      <a:pPr marL="0" indent="0">
+                        <a:buFont typeface="Arial" panose="020B0604020202020204" pitchFamily="34" charset="0"/>
+                        <a:buNone/>
+                      </a:pPr>
+                      <a:r>
+                        <a:rPr lang="es-MX" sz="1000" b="0" dirty="0">
+                          <a:solidFill>
+                            <a:schemeClr val="tx1"/>
+                          </a:solidFill>
+                        </a:rPr>
+                        <a:t>Necesitamos: nombre , precio y cantidades del producto vendido </a:t>
+                      </a:r>
+                      <a:endParaRPr lang="es-CO" sz="1000" b="0" dirty="0">
+                        <a:solidFill>
+                          <a:schemeClr val="tx1"/>
+                        </a:solidFill>
+                      </a:endParaRPr>
+                    </a:p>
+                  </a:txBody>
+                  <a:tcPr>
+                    <a:solidFill>
+                      <a:schemeClr val="tx2">
+                        <a:lumMod val="20000"/>
+                        <a:lumOff val="80000"/>
+                      </a:schemeClr>
+                    </a:solidFill>
+                  </a:tcPr>
+                </a:tc>
+                <a:extLst>
+                  <a:ext uri="{0D108BD9-81ED-4DB2-BD59-A6C34878D82A}">
+                    <a16:rowId xmlns:a16="http://schemas.microsoft.com/office/drawing/2014/main" val="3842020864"/>
                   </a:ext>
                 </a:extLst>
               </a:tr>
@@ -4809,7 +5171,7 @@
     </p:spTree>
     <p:extLst>
       <p:ext uri="{BB962C8B-B14F-4D97-AF65-F5344CB8AC3E}">
-        <p14:creationId xmlns:p14="http://schemas.microsoft.com/office/powerpoint/2010/main" val="2548396169"/>
+        <p14:creationId xmlns:p14="http://schemas.microsoft.com/office/powerpoint/2010/main" val="2624017992"/>
       </p:ext>
     </p:extLst>
   </p:cSld>
